--- a/kursovaya/презентация ДьяконовМестиников.pptx
+++ b/kursovaya/презентация ДьяконовМестиников.pptx
@@ -1878,7 +1878,7 @@
           <p:cNvPr id="2" name="Заголовок 1">
             <a:extLst>
               <a:ext uri="{FF2B5EF4-FFF2-40B4-BE49-F238E27FC236}">
-                <a16:creationId xmlns:a16="http://schemas.microsoft.com/office/drawing/2014/main" xmlns="" id="{DCC841FC-57A2-4B49-9D4D-28B222E43C8F}"/>
+                <a16:creationId xmlns="" xmlns:a16="http://schemas.microsoft.com/office/drawing/2014/main" id="{DCC841FC-57A2-4B49-9D4D-28B222E43C8F}"/>
               </a:ext>
             </a:extLst>
           </p:cNvPr>
@@ -1915,7 +1915,7 @@
           <p:cNvPr id="3" name="Подзаголовок 2">
             <a:extLst>
               <a:ext uri="{FF2B5EF4-FFF2-40B4-BE49-F238E27FC236}">
-                <a16:creationId xmlns:a16="http://schemas.microsoft.com/office/drawing/2014/main" xmlns="" id="{A02CD773-2F0D-465D-A4EC-0A1F2FF3798C}"/>
+                <a16:creationId xmlns="" xmlns:a16="http://schemas.microsoft.com/office/drawing/2014/main" id="{A02CD773-2F0D-465D-A4EC-0A1F2FF3798C}"/>
               </a:ext>
             </a:extLst>
           </p:cNvPr>
@@ -1985,7 +1985,7 @@
           <p:cNvPr id="4" name="Дата 3">
             <a:extLst>
               <a:ext uri="{FF2B5EF4-FFF2-40B4-BE49-F238E27FC236}">
-                <a16:creationId xmlns:a16="http://schemas.microsoft.com/office/drawing/2014/main" xmlns="" id="{B8C241FC-8D47-403D-8251-7734F9A50754}"/>
+                <a16:creationId xmlns="" xmlns:a16="http://schemas.microsoft.com/office/drawing/2014/main" id="{B8C241FC-8D47-403D-8251-7734F9A50754}"/>
               </a:ext>
             </a:extLst>
           </p:cNvPr>
@@ -2010,7 +2010,7 @@
           <p:cNvPr id="5" name="Нижний колонтитул 4">
             <a:extLst>
               <a:ext uri="{FF2B5EF4-FFF2-40B4-BE49-F238E27FC236}">
-                <a16:creationId xmlns:a16="http://schemas.microsoft.com/office/drawing/2014/main" xmlns="" id="{02BBF034-6334-414D-A9C3-8BD3A8A6F151}"/>
+                <a16:creationId xmlns="" xmlns:a16="http://schemas.microsoft.com/office/drawing/2014/main" id="{02BBF034-6334-414D-A9C3-8BD3A8A6F151}"/>
               </a:ext>
             </a:extLst>
           </p:cNvPr>
@@ -2035,7 +2035,7 @@
           <p:cNvPr id="6" name="Номер слайда 5">
             <a:extLst>
               <a:ext uri="{FF2B5EF4-FFF2-40B4-BE49-F238E27FC236}">
-                <a16:creationId xmlns:a16="http://schemas.microsoft.com/office/drawing/2014/main" xmlns="" id="{1671032E-6BCD-4F8F-A92A-CE08C53EED2A}"/>
+                <a16:creationId xmlns="" xmlns:a16="http://schemas.microsoft.com/office/drawing/2014/main" id="{1671032E-6BCD-4F8F-A92A-CE08C53EED2A}"/>
               </a:ext>
             </a:extLst>
           </p:cNvPr>
@@ -2112,7 +2112,7 @@
           <p:cNvPr id="2" name="Заголовок 1">
             <a:extLst>
               <a:ext uri="{FF2B5EF4-FFF2-40B4-BE49-F238E27FC236}">
-                <a16:creationId xmlns:a16="http://schemas.microsoft.com/office/drawing/2014/main" xmlns="" id="{F7D67F26-DBC0-4F84-90C7-99B8CF0122F0}"/>
+                <a16:creationId xmlns="" xmlns:a16="http://schemas.microsoft.com/office/drawing/2014/main" id="{F7D67F26-DBC0-4F84-90C7-99B8CF0122F0}"/>
               </a:ext>
             </a:extLst>
           </p:cNvPr>
@@ -2140,7 +2140,7 @@
           <p:cNvPr id="3" name="Вертикальный текст 2">
             <a:extLst>
               <a:ext uri="{FF2B5EF4-FFF2-40B4-BE49-F238E27FC236}">
-                <a16:creationId xmlns:a16="http://schemas.microsoft.com/office/drawing/2014/main" xmlns="" id="{03FE5B5E-1B4B-4AAF-A0D5-2DED36D72674}"/>
+                <a16:creationId xmlns="" xmlns:a16="http://schemas.microsoft.com/office/drawing/2014/main" id="{03FE5B5E-1B4B-4AAF-A0D5-2DED36D72674}"/>
               </a:ext>
             </a:extLst>
           </p:cNvPr>
@@ -2197,7 +2197,7 @@
           <p:cNvPr id="4" name="Дата 3">
             <a:extLst>
               <a:ext uri="{FF2B5EF4-FFF2-40B4-BE49-F238E27FC236}">
-                <a16:creationId xmlns:a16="http://schemas.microsoft.com/office/drawing/2014/main" xmlns="" id="{E914EA14-B140-456F-BB65-2ACB7116F69C}"/>
+                <a16:creationId xmlns="" xmlns:a16="http://schemas.microsoft.com/office/drawing/2014/main" id="{E914EA14-B140-456F-BB65-2ACB7116F69C}"/>
               </a:ext>
             </a:extLst>
           </p:cNvPr>
@@ -2222,7 +2222,7 @@
           <p:cNvPr id="5" name="Нижний колонтитул 4">
             <a:extLst>
               <a:ext uri="{FF2B5EF4-FFF2-40B4-BE49-F238E27FC236}">
-                <a16:creationId xmlns:a16="http://schemas.microsoft.com/office/drawing/2014/main" xmlns="" id="{E9BA2E84-8336-4F7E-A49F-613B1AA0EE3B}"/>
+                <a16:creationId xmlns="" xmlns:a16="http://schemas.microsoft.com/office/drawing/2014/main" id="{E9BA2E84-8336-4F7E-A49F-613B1AA0EE3B}"/>
               </a:ext>
             </a:extLst>
           </p:cNvPr>
@@ -2247,7 +2247,7 @@
           <p:cNvPr id="6" name="Номер слайда 5">
             <a:extLst>
               <a:ext uri="{FF2B5EF4-FFF2-40B4-BE49-F238E27FC236}">
-                <a16:creationId xmlns:a16="http://schemas.microsoft.com/office/drawing/2014/main" xmlns="" id="{8D1E3993-D57F-4410-9351-0B70851BD8EE}"/>
+                <a16:creationId xmlns="" xmlns:a16="http://schemas.microsoft.com/office/drawing/2014/main" id="{8D1E3993-D57F-4410-9351-0B70851BD8EE}"/>
               </a:ext>
             </a:extLst>
           </p:cNvPr>
@@ -2324,7 +2324,7 @@
           <p:cNvPr id="2" name="Вертикальный заголовок 1">
             <a:extLst>
               <a:ext uri="{FF2B5EF4-FFF2-40B4-BE49-F238E27FC236}">
-                <a16:creationId xmlns:a16="http://schemas.microsoft.com/office/drawing/2014/main" xmlns="" id="{6E3A95C9-2AC9-42FD-9864-E260C6A82D62}"/>
+                <a16:creationId xmlns="" xmlns:a16="http://schemas.microsoft.com/office/drawing/2014/main" id="{6E3A95C9-2AC9-42FD-9864-E260C6A82D62}"/>
               </a:ext>
             </a:extLst>
           </p:cNvPr>
@@ -2357,7 +2357,7 @@
           <p:cNvPr id="3" name="Вертикальный текст 2">
             <a:extLst>
               <a:ext uri="{FF2B5EF4-FFF2-40B4-BE49-F238E27FC236}">
-                <a16:creationId xmlns:a16="http://schemas.microsoft.com/office/drawing/2014/main" xmlns="" id="{D423B518-4ADE-430D-880C-6A430ABA66C9}"/>
+                <a16:creationId xmlns="" xmlns:a16="http://schemas.microsoft.com/office/drawing/2014/main" id="{D423B518-4ADE-430D-880C-6A430ABA66C9}"/>
               </a:ext>
             </a:extLst>
           </p:cNvPr>
@@ -2419,7 +2419,7 @@
           <p:cNvPr id="4" name="Дата 3">
             <a:extLst>
               <a:ext uri="{FF2B5EF4-FFF2-40B4-BE49-F238E27FC236}">
-                <a16:creationId xmlns:a16="http://schemas.microsoft.com/office/drawing/2014/main" xmlns="" id="{B5BBEE45-997C-482A-8E36-4BA2800C28C0}"/>
+                <a16:creationId xmlns="" xmlns:a16="http://schemas.microsoft.com/office/drawing/2014/main" id="{B5BBEE45-997C-482A-8E36-4BA2800C28C0}"/>
               </a:ext>
             </a:extLst>
           </p:cNvPr>
@@ -2444,7 +2444,7 @@
           <p:cNvPr id="5" name="Нижний колонтитул 4">
             <a:extLst>
               <a:ext uri="{FF2B5EF4-FFF2-40B4-BE49-F238E27FC236}">
-                <a16:creationId xmlns:a16="http://schemas.microsoft.com/office/drawing/2014/main" xmlns="" id="{61D04E85-8B37-45E7-872D-5C6D616AEF4F}"/>
+                <a16:creationId xmlns="" xmlns:a16="http://schemas.microsoft.com/office/drawing/2014/main" id="{61D04E85-8B37-45E7-872D-5C6D616AEF4F}"/>
               </a:ext>
             </a:extLst>
           </p:cNvPr>
@@ -2469,7 +2469,7 @@
           <p:cNvPr id="6" name="Номер слайда 5">
             <a:extLst>
               <a:ext uri="{FF2B5EF4-FFF2-40B4-BE49-F238E27FC236}">
-                <a16:creationId xmlns:a16="http://schemas.microsoft.com/office/drawing/2014/main" xmlns="" id="{4340951E-41E8-4E0B-BA85-631FA143E9F6}"/>
+                <a16:creationId xmlns="" xmlns:a16="http://schemas.microsoft.com/office/drawing/2014/main" id="{4340951E-41E8-4E0B-BA85-631FA143E9F6}"/>
               </a:ext>
             </a:extLst>
           </p:cNvPr>
@@ -2546,7 +2546,7 @@
           <p:cNvPr id="2" name="Заголовок 1">
             <a:extLst>
               <a:ext uri="{FF2B5EF4-FFF2-40B4-BE49-F238E27FC236}">
-                <a16:creationId xmlns:a16="http://schemas.microsoft.com/office/drawing/2014/main" xmlns="" id="{F752A87F-15FD-448A-B7A5-4B6D3BBD44DA}"/>
+                <a16:creationId xmlns="" xmlns:a16="http://schemas.microsoft.com/office/drawing/2014/main" id="{F752A87F-15FD-448A-B7A5-4B6D3BBD44DA}"/>
               </a:ext>
             </a:extLst>
           </p:cNvPr>
@@ -2574,7 +2574,7 @@
           <p:cNvPr id="3" name="Объект 2">
             <a:extLst>
               <a:ext uri="{FF2B5EF4-FFF2-40B4-BE49-F238E27FC236}">
-                <a16:creationId xmlns:a16="http://schemas.microsoft.com/office/drawing/2014/main" xmlns="" id="{65F57676-77F2-43C1-AC1B-E9EED71B2924}"/>
+                <a16:creationId xmlns="" xmlns:a16="http://schemas.microsoft.com/office/drawing/2014/main" id="{65F57676-77F2-43C1-AC1B-E9EED71B2924}"/>
               </a:ext>
             </a:extLst>
           </p:cNvPr>
@@ -2631,7 +2631,7 @@
           <p:cNvPr id="4" name="Дата 3">
             <a:extLst>
               <a:ext uri="{FF2B5EF4-FFF2-40B4-BE49-F238E27FC236}">
-                <a16:creationId xmlns:a16="http://schemas.microsoft.com/office/drawing/2014/main" xmlns="" id="{43E33D72-DE79-4B9D-83AB-26BEA808BD22}"/>
+                <a16:creationId xmlns="" xmlns:a16="http://schemas.microsoft.com/office/drawing/2014/main" id="{43E33D72-DE79-4B9D-83AB-26BEA808BD22}"/>
               </a:ext>
             </a:extLst>
           </p:cNvPr>
@@ -2656,7 +2656,7 @@
           <p:cNvPr id="5" name="Нижний колонтитул 4">
             <a:extLst>
               <a:ext uri="{FF2B5EF4-FFF2-40B4-BE49-F238E27FC236}">
-                <a16:creationId xmlns:a16="http://schemas.microsoft.com/office/drawing/2014/main" xmlns="" id="{5492D02B-5A37-4CB7-9CD9-5A1D5CB616EB}"/>
+                <a16:creationId xmlns="" xmlns:a16="http://schemas.microsoft.com/office/drawing/2014/main" id="{5492D02B-5A37-4CB7-9CD9-5A1D5CB616EB}"/>
               </a:ext>
             </a:extLst>
           </p:cNvPr>
@@ -2681,7 +2681,7 @@
           <p:cNvPr id="6" name="Номер слайда 5">
             <a:extLst>
               <a:ext uri="{FF2B5EF4-FFF2-40B4-BE49-F238E27FC236}">
-                <a16:creationId xmlns:a16="http://schemas.microsoft.com/office/drawing/2014/main" xmlns="" id="{70D1B172-BBD0-4EE5-BA6A-3DDD66ACB274}"/>
+                <a16:creationId xmlns="" xmlns:a16="http://schemas.microsoft.com/office/drawing/2014/main" id="{70D1B172-BBD0-4EE5-BA6A-3DDD66ACB274}"/>
               </a:ext>
             </a:extLst>
           </p:cNvPr>
@@ -2758,7 +2758,7 @@
           <p:cNvPr id="2" name="Заголовок 1">
             <a:extLst>
               <a:ext uri="{FF2B5EF4-FFF2-40B4-BE49-F238E27FC236}">
-                <a16:creationId xmlns:a16="http://schemas.microsoft.com/office/drawing/2014/main" xmlns="" id="{15002DF3-D283-4380-AEAA-642351F5ADAA}"/>
+                <a16:creationId xmlns="" xmlns:a16="http://schemas.microsoft.com/office/drawing/2014/main" id="{15002DF3-D283-4380-AEAA-642351F5ADAA}"/>
               </a:ext>
             </a:extLst>
           </p:cNvPr>
@@ -2795,7 +2795,7 @@
           <p:cNvPr id="3" name="Текст 2">
             <a:extLst>
               <a:ext uri="{FF2B5EF4-FFF2-40B4-BE49-F238E27FC236}">
-                <a16:creationId xmlns:a16="http://schemas.microsoft.com/office/drawing/2014/main" xmlns="" id="{CAA11E12-529C-4F43-B7D6-DDEF0A0BDB86}"/>
+                <a16:creationId xmlns="" xmlns:a16="http://schemas.microsoft.com/office/drawing/2014/main" id="{CAA11E12-529C-4F43-B7D6-DDEF0A0BDB86}"/>
               </a:ext>
             </a:extLst>
           </p:cNvPr>
@@ -2920,7 +2920,7 @@
           <p:cNvPr id="4" name="Дата 3">
             <a:extLst>
               <a:ext uri="{FF2B5EF4-FFF2-40B4-BE49-F238E27FC236}">
-                <a16:creationId xmlns:a16="http://schemas.microsoft.com/office/drawing/2014/main" xmlns="" id="{329109E3-7FE1-40FD-B5CB-CF856A822D1F}"/>
+                <a16:creationId xmlns="" xmlns:a16="http://schemas.microsoft.com/office/drawing/2014/main" id="{329109E3-7FE1-40FD-B5CB-CF856A822D1F}"/>
               </a:ext>
             </a:extLst>
           </p:cNvPr>
@@ -2945,7 +2945,7 @@
           <p:cNvPr id="5" name="Нижний колонтитул 4">
             <a:extLst>
               <a:ext uri="{FF2B5EF4-FFF2-40B4-BE49-F238E27FC236}">
-                <a16:creationId xmlns:a16="http://schemas.microsoft.com/office/drawing/2014/main" xmlns="" id="{392D1E43-4D51-4230-937F-C4129704CF00}"/>
+                <a16:creationId xmlns="" xmlns:a16="http://schemas.microsoft.com/office/drawing/2014/main" id="{392D1E43-4D51-4230-937F-C4129704CF00}"/>
               </a:ext>
             </a:extLst>
           </p:cNvPr>
@@ -2970,7 +2970,7 @@
           <p:cNvPr id="6" name="Номер слайда 5">
             <a:extLst>
               <a:ext uri="{FF2B5EF4-FFF2-40B4-BE49-F238E27FC236}">
-                <a16:creationId xmlns:a16="http://schemas.microsoft.com/office/drawing/2014/main" xmlns="" id="{E6D67A25-975D-475F-8DAA-F204ECF8AEB1}"/>
+                <a16:creationId xmlns="" xmlns:a16="http://schemas.microsoft.com/office/drawing/2014/main" id="{E6D67A25-975D-475F-8DAA-F204ECF8AEB1}"/>
               </a:ext>
             </a:extLst>
           </p:cNvPr>
@@ -3047,7 +3047,7 @@
           <p:cNvPr id="2" name="Заголовок 1">
             <a:extLst>
               <a:ext uri="{FF2B5EF4-FFF2-40B4-BE49-F238E27FC236}">
-                <a16:creationId xmlns:a16="http://schemas.microsoft.com/office/drawing/2014/main" xmlns="" id="{46AA951B-9881-4F3B-BD3F-C0AB0ABEBA25}"/>
+                <a16:creationId xmlns="" xmlns:a16="http://schemas.microsoft.com/office/drawing/2014/main" id="{46AA951B-9881-4F3B-BD3F-C0AB0ABEBA25}"/>
               </a:ext>
             </a:extLst>
           </p:cNvPr>
@@ -3075,7 +3075,7 @@
           <p:cNvPr id="3" name="Объект 2">
             <a:extLst>
               <a:ext uri="{FF2B5EF4-FFF2-40B4-BE49-F238E27FC236}">
-                <a16:creationId xmlns:a16="http://schemas.microsoft.com/office/drawing/2014/main" xmlns="" id="{9E14786D-94A1-4E1F-8698-C555ED2F952B}"/>
+                <a16:creationId xmlns="" xmlns:a16="http://schemas.microsoft.com/office/drawing/2014/main" id="{9E14786D-94A1-4E1F-8698-C555ED2F952B}"/>
               </a:ext>
             </a:extLst>
           </p:cNvPr>
@@ -3137,7 +3137,7 @@
           <p:cNvPr id="4" name="Объект 3">
             <a:extLst>
               <a:ext uri="{FF2B5EF4-FFF2-40B4-BE49-F238E27FC236}">
-                <a16:creationId xmlns:a16="http://schemas.microsoft.com/office/drawing/2014/main" xmlns="" id="{32405FBA-E384-423E-BE17-9AB999B31E87}"/>
+                <a16:creationId xmlns="" xmlns:a16="http://schemas.microsoft.com/office/drawing/2014/main" id="{32405FBA-E384-423E-BE17-9AB999B31E87}"/>
               </a:ext>
             </a:extLst>
           </p:cNvPr>
@@ -3199,7 +3199,7 @@
           <p:cNvPr id="5" name="Дата 4">
             <a:extLst>
               <a:ext uri="{FF2B5EF4-FFF2-40B4-BE49-F238E27FC236}">
-                <a16:creationId xmlns:a16="http://schemas.microsoft.com/office/drawing/2014/main" xmlns="" id="{E595E605-47FC-4B6C-89CA-8DADC86F838F}"/>
+                <a16:creationId xmlns="" xmlns:a16="http://schemas.microsoft.com/office/drawing/2014/main" id="{E595E605-47FC-4B6C-89CA-8DADC86F838F}"/>
               </a:ext>
             </a:extLst>
           </p:cNvPr>
@@ -3224,7 +3224,7 @@
           <p:cNvPr id="6" name="Нижний колонтитул 5">
             <a:extLst>
               <a:ext uri="{FF2B5EF4-FFF2-40B4-BE49-F238E27FC236}">
-                <a16:creationId xmlns:a16="http://schemas.microsoft.com/office/drawing/2014/main" xmlns="" id="{94F66B0B-1122-4C5F-BDB9-031306B871EB}"/>
+                <a16:creationId xmlns="" xmlns:a16="http://schemas.microsoft.com/office/drawing/2014/main" id="{94F66B0B-1122-4C5F-BDB9-031306B871EB}"/>
               </a:ext>
             </a:extLst>
           </p:cNvPr>
@@ -3249,7 +3249,7 @@
           <p:cNvPr id="7" name="Номер слайда 6">
             <a:extLst>
               <a:ext uri="{FF2B5EF4-FFF2-40B4-BE49-F238E27FC236}">
-                <a16:creationId xmlns:a16="http://schemas.microsoft.com/office/drawing/2014/main" xmlns="" id="{6786CA6D-A494-4884-845A-9FDC7FAB4A6C}"/>
+                <a16:creationId xmlns="" xmlns:a16="http://schemas.microsoft.com/office/drawing/2014/main" id="{6786CA6D-A494-4884-845A-9FDC7FAB4A6C}"/>
               </a:ext>
             </a:extLst>
           </p:cNvPr>
@@ -3326,7 +3326,7 @@
           <p:cNvPr id="2" name="Заголовок 1">
             <a:extLst>
               <a:ext uri="{FF2B5EF4-FFF2-40B4-BE49-F238E27FC236}">
-                <a16:creationId xmlns:a16="http://schemas.microsoft.com/office/drawing/2014/main" xmlns="" id="{0E22F650-4BE4-48BA-951B-DD2C08426C53}"/>
+                <a16:creationId xmlns="" xmlns:a16="http://schemas.microsoft.com/office/drawing/2014/main" id="{0E22F650-4BE4-48BA-951B-DD2C08426C53}"/>
               </a:ext>
             </a:extLst>
           </p:cNvPr>
@@ -3359,7 +3359,7 @@
           <p:cNvPr id="3" name="Текст 2">
             <a:extLst>
               <a:ext uri="{FF2B5EF4-FFF2-40B4-BE49-F238E27FC236}">
-                <a16:creationId xmlns:a16="http://schemas.microsoft.com/office/drawing/2014/main" xmlns="" id="{47B7139B-AC3C-4350-AD54-704012BEC2C8}"/>
+                <a16:creationId xmlns="" xmlns:a16="http://schemas.microsoft.com/office/drawing/2014/main" id="{47B7139B-AC3C-4350-AD54-704012BEC2C8}"/>
               </a:ext>
             </a:extLst>
           </p:cNvPr>
@@ -3430,7 +3430,7 @@
           <p:cNvPr id="4" name="Объект 3">
             <a:extLst>
               <a:ext uri="{FF2B5EF4-FFF2-40B4-BE49-F238E27FC236}">
-                <a16:creationId xmlns:a16="http://schemas.microsoft.com/office/drawing/2014/main" xmlns="" id="{A940577B-A090-4F65-BB4B-8ABBF4DB2944}"/>
+                <a16:creationId xmlns="" xmlns:a16="http://schemas.microsoft.com/office/drawing/2014/main" id="{A940577B-A090-4F65-BB4B-8ABBF4DB2944}"/>
               </a:ext>
             </a:extLst>
           </p:cNvPr>
@@ -3492,7 +3492,7 @@
           <p:cNvPr id="5" name="Текст 4">
             <a:extLst>
               <a:ext uri="{FF2B5EF4-FFF2-40B4-BE49-F238E27FC236}">
-                <a16:creationId xmlns:a16="http://schemas.microsoft.com/office/drawing/2014/main" xmlns="" id="{73CF2249-F7D8-4508-9293-424BEE76710C}"/>
+                <a16:creationId xmlns="" xmlns:a16="http://schemas.microsoft.com/office/drawing/2014/main" id="{73CF2249-F7D8-4508-9293-424BEE76710C}"/>
               </a:ext>
             </a:extLst>
           </p:cNvPr>
@@ -3563,7 +3563,7 @@
           <p:cNvPr id="6" name="Объект 5">
             <a:extLst>
               <a:ext uri="{FF2B5EF4-FFF2-40B4-BE49-F238E27FC236}">
-                <a16:creationId xmlns:a16="http://schemas.microsoft.com/office/drawing/2014/main" xmlns="" id="{8278FBEC-D74B-49CB-8C64-D18AF741BF28}"/>
+                <a16:creationId xmlns="" xmlns:a16="http://schemas.microsoft.com/office/drawing/2014/main" id="{8278FBEC-D74B-49CB-8C64-D18AF741BF28}"/>
               </a:ext>
             </a:extLst>
           </p:cNvPr>
@@ -3625,7 +3625,7 @@
           <p:cNvPr id="7" name="Дата 6">
             <a:extLst>
               <a:ext uri="{FF2B5EF4-FFF2-40B4-BE49-F238E27FC236}">
-                <a16:creationId xmlns:a16="http://schemas.microsoft.com/office/drawing/2014/main" xmlns="" id="{5178860A-4651-443C-A327-154D30D8A630}"/>
+                <a16:creationId xmlns="" xmlns:a16="http://schemas.microsoft.com/office/drawing/2014/main" id="{5178860A-4651-443C-A327-154D30D8A630}"/>
               </a:ext>
             </a:extLst>
           </p:cNvPr>
@@ -3650,7 +3650,7 @@
           <p:cNvPr id="8" name="Нижний колонтитул 7">
             <a:extLst>
               <a:ext uri="{FF2B5EF4-FFF2-40B4-BE49-F238E27FC236}">
-                <a16:creationId xmlns:a16="http://schemas.microsoft.com/office/drawing/2014/main" xmlns="" id="{918805D9-C25A-4048-B212-AF4D3AFB54C1}"/>
+                <a16:creationId xmlns="" xmlns:a16="http://schemas.microsoft.com/office/drawing/2014/main" id="{918805D9-C25A-4048-B212-AF4D3AFB54C1}"/>
               </a:ext>
             </a:extLst>
           </p:cNvPr>
@@ -3675,7 +3675,7 @@
           <p:cNvPr id="9" name="Номер слайда 8">
             <a:extLst>
               <a:ext uri="{FF2B5EF4-FFF2-40B4-BE49-F238E27FC236}">
-                <a16:creationId xmlns:a16="http://schemas.microsoft.com/office/drawing/2014/main" xmlns="" id="{F59F91B2-9F98-4E8E-BE1C-80AD300F035C}"/>
+                <a16:creationId xmlns="" xmlns:a16="http://schemas.microsoft.com/office/drawing/2014/main" id="{F59F91B2-9F98-4E8E-BE1C-80AD300F035C}"/>
               </a:ext>
             </a:extLst>
           </p:cNvPr>
@@ -3752,7 +3752,7 @@
           <p:cNvPr id="2" name="Заголовок 1">
             <a:extLst>
               <a:ext uri="{FF2B5EF4-FFF2-40B4-BE49-F238E27FC236}">
-                <a16:creationId xmlns:a16="http://schemas.microsoft.com/office/drawing/2014/main" xmlns="" id="{4230A0EF-45FB-4C63-BEFF-815B87E3A026}"/>
+                <a16:creationId xmlns="" xmlns:a16="http://schemas.microsoft.com/office/drawing/2014/main" id="{4230A0EF-45FB-4C63-BEFF-815B87E3A026}"/>
               </a:ext>
             </a:extLst>
           </p:cNvPr>
@@ -3780,7 +3780,7 @@
           <p:cNvPr id="3" name="Дата 2">
             <a:extLst>
               <a:ext uri="{FF2B5EF4-FFF2-40B4-BE49-F238E27FC236}">
-                <a16:creationId xmlns:a16="http://schemas.microsoft.com/office/drawing/2014/main" xmlns="" id="{3A7A212D-B7C9-4A49-B9FD-6BC5984C1A59}"/>
+                <a16:creationId xmlns="" xmlns:a16="http://schemas.microsoft.com/office/drawing/2014/main" id="{3A7A212D-B7C9-4A49-B9FD-6BC5984C1A59}"/>
               </a:ext>
             </a:extLst>
           </p:cNvPr>
@@ -3805,7 +3805,7 @@
           <p:cNvPr id="4" name="Нижний колонтитул 3">
             <a:extLst>
               <a:ext uri="{FF2B5EF4-FFF2-40B4-BE49-F238E27FC236}">
-                <a16:creationId xmlns:a16="http://schemas.microsoft.com/office/drawing/2014/main" xmlns="" id="{441FD8D1-B54B-46C2-A737-FD642316AF20}"/>
+                <a16:creationId xmlns="" xmlns:a16="http://schemas.microsoft.com/office/drawing/2014/main" id="{441FD8D1-B54B-46C2-A737-FD642316AF20}"/>
               </a:ext>
             </a:extLst>
           </p:cNvPr>
@@ -3830,7 +3830,7 @@
           <p:cNvPr id="5" name="Номер слайда 4">
             <a:extLst>
               <a:ext uri="{FF2B5EF4-FFF2-40B4-BE49-F238E27FC236}">
-                <a16:creationId xmlns:a16="http://schemas.microsoft.com/office/drawing/2014/main" xmlns="" id="{245E27EA-9CB4-41D5-842B-96730DEE226F}"/>
+                <a16:creationId xmlns="" xmlns:a16="http://schemas.microsoft.com/office/drawing/2014/main" id="{245E27EA-9CB4-41D5-842B-96730DEE226F}"/>
               </a:ext>
             </a:extLst>
           </p:cNvPr>
@@ -3907,7 +3907,7 @@
           <p:cNvPr id="2" name="Дата 1">
             <a:extLst>
               <a:ext uri="{FF2B5EF4-FFF2-40B4-BE49-F238E27FC236}">
-                <a16:creationId xmlns:a16="http://schemas.microsoft.com/office/drawing/2014/main" xmlns="" id="{889C99A2-9277-4A37-9AFA-384851EA8EFB}"/>
+                <a16:creationId xmlns="" xmlns:a16="http://schemas.microsoft.com/office/drawing/2014/main" id="{889C99A2-9277-4A37-9AFA-384851EA8EFB}"/>
               </a:ext>
             </a:extLst>
           </p:cNvPr>
@@ -3932,7 +3932,7 @@
           <p:cNvPr id="3" name="Нижний колонтитул 2">
             <a:extLst>
               <a:ext uri="{FF2B5EF4-FFF2-40B4-BE49-F238E27FC236}">
-                <a16:creationId xmlns:a16="http://schemas.microsoft.com/office/drawing/2014/main" xmlns="" id="{D6A39422-82D9-4346-85EB-EC7954E5073F}"/>
+                <a16:creationId xmlns="" xmlns:a16="http://schemas.microsoft.com/office/drawing/2014/main" id="{D6A39422-82D9-4346-85EB-EC7954E5073F}"/>
               </a:ext>
             </a:extLst>
           </p:cNvPr>
@@ -3957,7 +3957,7 @@
           <p:cNvPr id="4" name="Номер слайда 3">
             <a:extLst>
               <a:ext uri="{FF2B5EF4-FFF2-40B4-BE49-F238E27FC236}">
-                <a16:creationId xmlns:a16="http://schemas.microsoft.com/office/drawing/2014/main" xmlns="" id="{DFA83CB1-A302-43C9-B84F-487A14A3A521}"/>
+                <a16:creationId xmlns="" xmlns:a16="http://schemas.microsoft.com/office/drawing/2014/main" id="{DFA83CB1-A302-43C9-B84F-487A14A3A521}"/>
               </a:ext>
             </a:extLst>
           </p:cNvPr>
@@ -4034,7 +4034,7 @@
           <p:cNvPr id="2" name="Заголовок 1">
             <a:extLst>
               <a:ext uri="{FF2B5EF4-FFF2-40B4-BE49-F238E27FC236}">
-                <a16:creationId xmlns:a16="http://schemas.microsoft.com/office/drawing/2014/main" xmlns="" id="{F1CAE5BF-CCBB-430C-A40F-5AFF38EA5F3B}"/>
+                <a16:creationId xmlns="" xmlns:a16="http://schemas.microsoft.com/office/drawing/2014/main" id="{F1CAE5BF-CCBB-430C-A40F-5AFF38EA5F3B}"/>
               </a:ext>
             </a:extLst>
           </p:cNvPr>
@@ -4071,7 +4071,7 @@
           <p:cNvPr id="3" name="Объект 2">
             <a:extLst>
               <a:ext uri="{FF2B5EF4-FFF2-40B4-BE49-F238E27FC236}">
-                <a16:creationId xmlns:a16="http://schemas.microsoft.com/office/drawing/2014/main" xmlns="" id="{6BBAE0FA-B40D-436D-BCD3-52DC190FA7C2}"/>
+                <a16:creationId xmlns="" xmlns:a16="http://schemas.microsoft.com/office/drawing/2014/main" id="{6BBAE0FA-B40D-436D-BCD3-52DC190FA7C2}"/>
               </a:ext>
             </a:extLst>
           </p:cNvPr>
@@ -4161,7 +4161,7 @@
           <p:cNvPr id="4" name="Текст 3">
             <a:extLst>
               <a:ext uri="{FF2B5EF4-FFF2-40B4-BE49-F238E27FC236}">
-                <a16:creationId xmlns:a16="http://schemas.microsoft.com/office/drawing/2014/main" xmlns="" id="{1F83B81C-B571-4E64-8C95-CF8FAB3CBEBF}"/>
+                <a16:creationId xmlns="" xmlns:a16="http://schemas.microsoft.com/office/drawing/2014/main" id="{1F83B81C-B571-4E64-8C95-CF8FAB3CBEBF}"/>
               </a:ext>
             </a:extLst>
           </p:cNvPr>
@@ -4232,7 +4232,7 @@
           <p:cNvPr id="5" name="Дата 4">
             <a:extLst>
               <a:ext uri="{FF2B5EF4-FFF2-40B4-BE49-F238E27FC236}">
-                <a16:creationId xmlns:a16="http://schemas.microsoft.com/office/drawing/2014/main" xmlns="" id="{ADC84396-D41B-48FE-A43C-20FC0A26722D}"/>
+                <a16:creationId xmlns="" xmlns:a16="http://schemas.microsoft.com/office/drawing/2014/main" id="{ADC84396-D41B-48FE-A43C-20FC0A26722D}"/>
               </a:ext>
             </a:extLst>
           </p:cNvPr>
@@ -4257,7 +4257,7 @@
           <p:cNvPr id="6" name="Нижний колонтитул 5">
             <a:extLst>
               <a:ext uri="{FF2B5EF4-FFF2-40B4-BE49-F238E27FC236}">
-                <a16:creationId xmlns:a16="http://schemas.microsoft.com/office/drawing/2014/main" xmlns="" id="{DB0C48A3-D459-4802-8C88-C46FD698CD2B}"/>
+                <a16:creationId xmlns="" xmlns:a16="http://schemas.microsoft.com/office/drawing/2014/main" id="{DB0C48A3-D459-4802-8C88-C46FD698CD2B}"/>
               </a:ext>
             </a:extLst>
           </p:cNvPr>
@@ -4282,7 +4282,7 @@
           <p:cNvPr id="7" name="Номер слайда 6">
             <a:extLst>
               <a:ext uri="{FF2B5EF4-FFF2-40B4-BE49-F238E27FC236}">
-                <a16:creationId xmlns:a16="http://schemas.microsoft.com/office/drawing/2014/main" xmlns="" id="{D623770E-3E8D-49DD-880C-99C4EBC2497C}"/>
+                <a16:creationId xmlns="" xmlns:a16="http://schemas.microsoft.com/office/drawing/2014/main" id="{D623770E-3E8D-49DD-880C-99C4EBC2497C}"/>
               </a:ext>
             </a:extLst>
           </p:cNvPr>
@@ -4359,7 +4359,7 @@
           <p:cNvPr id="2" name="Заголовок 1">
             <a:extLst>
               <a:ext uri="{FF2B5EF4-FFF2-40B4-BE49-F238E27FC236}">
-                <a16:creationId xmlns:a16="http://schemas.microsoft.com/office/drawing/2014/main" xmlns="" id="{1DA8F5F5-FD3F-43BA-AC14-B3CE72F452A3}"/>
+                <a16:creationId xmlns="" xmlns:a16="http://schemas.microsoft.com/office/drawing/2014/main" id="{1DA8F5F5-FD3F-43BA-AC14-B3CE72F452A3}"/>
               </a:ext>
             </a:extLst>
           </p:cNvPr>
@@ -4396,7 +4396,7 @@
           <p:cNvPr id="3" name="Рисунок 2">
             <a:extLst>
               <a:ext uri="{FF2B5EF4-FFF2-40B4-BE49-F238E27FC236}">
-                <a16:creationId xmlns:a16="http://schemas.microsoft.com/office/drawing/2014/main" xmlns="" id="{4F2A94EF-8B23-49B7-A318-7A5C63711B0D}"/>
+                <a16:creationId xmlns="" xmlns:a16="http://schemas.microsoft.com/office/drawing/2014/main" id="{4F2A94EF-8B23-49B7-A318-7A5C63711B0D}"/>
               </a:ext>
             </a:extLst>
           </p:cNvPr>
@@ -4463,7 +4463,7 @@
           <p:cNvPr id="4" name="Текст 3">
             <a:extLst>
               <a:ext uri="{FF2B5EF4-FFF2-40B4-BE49-F238E27FC236}">
-                <a16:creationId xmlns:a16="http://schemas.microsoft.com/office/drawing/2014/main" xmlns="" id="{036A2EEC-BB26-48A8-8B92-945A3003757F}"/>
+                <a16:creationId xmlns="" xmlns:a16="http://schemas.microsoft.com/office/drawing/2014/main" id="{036A2EEC-BB26-48A8-8B92-945A3003757F}"/>
               </a:ext>
             </a:extLst>
           </p:cNvPr>
@@ -4534,7 +4534,7 @@
           <p:cNvPr id="5" name="Дата 4">
             <a:extLst>
               <a:ext uri="{FF2B5EF4-FFF2-40B4-BE49-F238E27FC236}">
-                <a16:creationId xmlns:a16="http://schemas.microsoft.com/office/drawing/2014/main" xmlns="" id="{B65AE418-A301-44C8-8A79-3B45D7A63806}"/>
+                <a16:creationId xmlns="" xmlns:a16="http://schemas.microsoft.com/office/drawing/2014/main" id="{B65AE418-A301-44C8-8A79-3B45D7A63806}"/>
               </a:ext>
             </a:extLst>
           </p:cNvPr>
@@ -4559,7 +4559,7 @@
           <p:cNvPr id="6" name="Нижний колонтитул 5">
             <a:extLst>
               <a:ext uri="{FF2B5EF4-FFF2-40B4-BE49-F238E27FC236}">
-                <a16:creationId xmlns:a16="http://schemas.microsoft.com/office/drawing/2014/main" xmlns="" id="{6ED88662-0315-4E16-97ED-030AAEC8DCA8}"/>
+                <a16:creationId xmlns="" xmlns:a16="http://schemas.microsoft.com/office/drawing/2014/main" id="{6ED88662-0315-4E16-97ED-030AAEC8DCA8}"/>
               </a:ext>
             </a:extLst>
           </p:cNvPr>
@@ -4584,7 +4584,7 @@
           <p:cNvPr id="7" name="Номер слайда 6">
             <a:extLst>
               <a:ext uri="{FF2B5EF4-FFF2-40B4-BE49-F238E27FC236}">
-                <a16:creationId xmlns:a16="http://schemas.microsoft.com/office/drawing/2014/main" xmlns="" id="{20242FDE-4EDF-42B9-ACCE-C770D56D8EEC}"/>
+                <a16:creationId xmlns="" xmlns:a16="http://schemas.microsoft.com/office/drawing/2014/main" id="{20242FDE-4EDF-42B9-ACCE-C770D56D8EEC}"/>
               </a:ext>
             </a:extLst>
           </p:cNvPr>
@@ -4666,7 +4666,7 @@
           <p:cNvPr id="2" name="Заголовок 1">
             <a:extLst>
               <a:ext uri="{FF2B5EF4-FFF2-40B4-BE49-F238E27FC236}">
-                <a16:creationId xmlns:a16="http://schemas.microsoft.com/office/drawing/2014/main" xmlns="" id="{36897991-B780-49FB-BA8A-76A32F98D7F1}"/>
+                <a16:creationId xmlns="" xmlns:a16="http://schemas.microsoft.com/office/drawing/2014/main" id="{36897991-B780-49FB-BA8A-76A32F98D7F1}"/>
               </a:ext>
             </a:extLst>
           </p:cNvPr>
@@ -4704,7 +4704,7 @@
           <p:cNvPr id="3" name="Текст 2">
             <a:extLst>
               <a:ext uri="{FF2B5EF4-FFF2-40B4-BE49-F238E27FC236}">
-                <a16:creationId xmlns:a16="http://schemas.microsoft.com/office/drawing/2014/main" xmlns="" id="{8D947693-14EB-461E-A188-10ECDEF110FE}"/>
+                <a16:creationId xmlns="" xmlns:a16="http://schemas.microsoft.com/office/drawing/2014/main" id="{8D947693-14EB-461E-A188-10ECDEF110FE}"/>
               </a:ext>
             </a:extLst>
           </p:cNvPr>
@@ -4771,7 +4771,7 @@
           <p:cNvPr id="4" name="Дата 3">
             <a:extLst>
               <a:ext uri="{FF2B5EF4-FFF2-40B4-BE49-F238E27FC236}">
-                <a16:creationId xmlns:a16="http://schemas.microsoft.com/office/drawing/2014/main" xmlns="" id="{B88457D5-00F0-4AED-B15F-6E04B9FA24E2}"/>
+                <a16:creationId xmlns="" xmlns:a16="http://schemas.microsoft.com/office/drawing/2014/main" id="{B88457D5-00F0-4AED-B15F-6E04B9FA24E2}"/>
               </a:ext>
             </a:extLst>
           </p:cNvPr>
@@ -4814,7 +4814,7 @@
           <p:cNvPr id="5" name="Нижний колонтитул 4">
             <a:extLst>
               <a:ext uri="{FF2B5EF4-FFF2-40B4-BE49-F238E27FC236}">
-                <a16:creationId xmlns:a16="http://schemas.microsoft.com/office/drawing/2014/main" xmlns="" id="{8A6E797F-07CD-49D1-94D4-BF95CDA33BA2}"/>
+                <a16:creationId xmlns="" xmlns:a16="http://schemas.microsoft.com/office/drawing/2014/main" id="{8A6E797F-07CD-49D1-94D4-BF95CDA33BA2}"/>
               </a:ext>
             </a:extLst>
           </p:cNvPr>
@@ -4857,7 +4857,7 @@
           <p:cNvPr id="6" name="Номер слайда 5">
             <a:extLst>
               <a:ext uri="{FF2B5EF4-FFF2-40B4-BE49-F238E27FC236}">
-                <a16:creationId xmlns:a16="http://schemas.microsoft.com/office/drawing/2014/main" xmlns="" id="{D0CB587E-DA21-46F0-8C72-D110B8EA9EA4}"/>
+                <a16:creationId xmlns="" xmlns:a16="http://schemas.microsoft.com/office/drawing/2014/main" id="{D0CB587E-DA21-46F0-8C72-D110B8EA9EA4}"/>
               </a:ext>
             </a:extLst>
           </p:cNvPr>
@@ -5258,7 +5258,7 @@
           <p:cNvPr id="8" name="Google Shape;161;g890fc14cac_0_83">
             <a:extLst>
               <a:ext uri="{FF2B5EF4-FFF2-40B4-BE49-F238E27FC236}">
-                <a16:creationId xmlns:a16="http://schemas.microsoft.com/office/drawing/2014/main" xmlns="" id="{6803F840-1DAF-4378-8BFF-2B486BFF837B}"/>
+                <a16:creationId xmlns="" xmlns:a16="http://schemas.microsoft.com/office/drawing/2014/main" id="{6803F840-1DAF-4378-8BFF-2B486BFF837B}"/>
               </a:ext>
             </a:extLst>
           </p:cNvPr>
@@ -5638,7 +5638,7 @@
           <p:cNvPr id="9" name="TextBox 8">
             <a:extLst>
               <a:ext uri="{FF2B5EF4-FFF2-40B4-BE49-F238E27FC236}">
-                <a16:creationId xmlns:a16="http://schemas.microsoft.com/office/drawing/2014/main" xmlns="" id="{3669CE12-3B61-477E-9797-E8D2F736A637}"/>
+                <a16:creationId xmlns="" xmlns:a16="http://schemas.microsoft.com/office/drawing/2014/main" id="{3669CE12-3B61-477E-9797-E8D2F736A637}"/>
               </a:ext>
             </a:extLst>
           </p:cNvPr>
@@ -5681,7 +5681,7 @@
           <p:cNvPr id="10" name="TextBox 9">
             <a:extLst>
               <a:ext uri="{FF2B5EF4-FFF2-40B4-BE49-F238E27FC236}">
-                <a16:creationId xmlns:a16="http://schemas.microsoft.com/office/drawing/2014/main" xmlns="" id="{BE52505F-3FD1-43A4-B721-1EADDDBF3216}"/>
+                <a16:creationId xmlns="" xmlns:a16="http://schemas.microsoft.com/office/drawing/2014/main" id="{BE52505F-3FD1-43A4-B721-1EADDDBF3216}"/>
               </a:ext>
             </a:extLst>
           </p:cNvPr>
@@ -5907,7 +5907,7 @@
           <p:cNvPr id="11" name="TextBox 10">
             <a:extLst>
               <a:ext uri="{FF2B5EF4-FFF2-40B4-BE49-F238E27FC236}">
-                <a16:creationId xmlns:a16="http://schemas.microsoft.com/office/drawing/2014/main" xmlns="" id="{2249CB2E-3011-48D5-B527-0BDF19624557}"/>
+                <a16:creationId xmlns="" xmlns:a16="http://schemas.microsoft.com/office/drawing/2014/main" id="{2249CB2E-3011-48D5-B527-0BDF19624557}"/>
               </a:ext>
             </a:extLst>
           </p:cNvPr>
@@ -5962,7 +5962,7 @@
           <p:cNvPr id="12" name="TextBox 11">
             <a:extLst>
               <a:ext uri="{FF2B5EF4-FFF2-40B4-BE49-F238E27FC236}">
-                <a16:creationId xmlns:a16="http://schemas.microsoft.com/office/drawing/2014/main" xmlns="" id="{8634BA43-90DE-4853-8598-90F30CAEEB4B}"/>
+                <a16:creationId xmlns="" xmlns:a16="http://schemas.microsoft.com/office/drawing/2014/main" id="{8634BA43-90DE-4853-8598-90F30CAEEB4B}"/>
               </a:ext>
             </a:extLst>
           </p:cNvPr>
@@ -6070,14 +6070,7 @@
                 <a:latin typeface="Times New Roman" panose="02020603050405020304" pitchFamily="18" charset="0"/>
                 <a:cs typeface="Times New Roman" panose="02020603050405020304" pitchFamily="18" charset="0"/>
               </a:rPr>
-              <a:t>Представление </a:t>
-            </a:r>
-            <a:r>
-              <a:rPr lang="ru-RU" dirty="0" smtClean="0">
-                <a:latin typeface="Times New Roman" panose="02020603050405020304" pitchFamily="18" charset="0"/>
-                <a:cs typeface="Times New Roman" panose="02020603050405020304" pitchFamily="18" charset="0"/>
-              </a:rPr>
-              <a:t>веб-приложения</a:t>
+              <a:t>Представление веб-приложения</a:t>
             </a:r>
             <a:endParaRPr lang="ru-RU" dirty="0">
               <a:latin typeface="Times New Roman" panose="02020603050405020304" pitchFamily="18" charset="0"/>
@@ -7143,7 +7136,7 @@
           <p:cNvPr id="8" name="Google Shape;161;g890fc14cac_0_83">
             <a:extLst>
               <a:ext uri="{FF2B5EF4-FFF2-40B4-BE49-F238E27FC236}">
-                <a16:creationId xmlns:a16="http://schemas.microsoft.com/office/drawing/2014/main" xmlns="" id="{6803F840-1DAF-4378-8BFF-2B486BFF837B}"/>
+                <a16:creationId xmlns="" xmlns:a16="http://schemas.microsoft.com/office/drawing/2014/main" id="{6803F840-1DAF-4378-8BFF-2B486BFF837B}"/>
               </a:ext>
             </a:extLst>
           </p:cNvPr>
@@ -7523,7 +7516,7 @@
           <p:cNvPr id="9" name="TextBox 8">
             <a:extLst>
               <a:ext uri="{FF2B5EF4-FFF2-40B4-BE49-F238E27FC236}">
-                <a16:creationId xmlns:a16="http://schemas.microsoft.com/office/drawing/2014/main" xmlns="" id="{3669CE12-3B61-477E-9797-E8D2F736A637}"/>
+                <a16:creationId xmlns="" xmlns:a16="http://schemas.microsoft.com/office/drawing/2014/main" id="{3669CE12-3B61-477E-9797-E8D2F736A637}"/>
               </a:ext>
             </a:extLst>
           </p:cNvPr>
@@ -7566,7 +7559,7 @@
           <p:cNvPr id="10" name="TextBox 9">
             <a:extLst>
               <a:ext uri="{FF2B5EF4-FFF2-40B4-BE49-F238E27FC236}">
-                <a16:creationId xmlns:a16="http://schemas.microsoft.com/office/drawing/2014/main" xmlns="" id="{BE52505F-3FD1-43A4-B721-1EADDDBF3216}"/>
+                <a16:creationId xmlns="" xmlns:a16="http://schemas.microsoft.com/office/drawing/2014/main" id="{BE52505F-3FD1-43A4-B721-1EADDDBF3216}"/>
               </a:ext>
             </a:extLst>
           </p:cNvPr>
@@ -7792,7 +7785,7 @@
           <p:cNvPr id="11" name="TextBox 10">
             <a:extLst>
               <a:ext uri="{FF2B5EF4-FFF2-40B4-BE49-F238E27FC236}">
-                <a16:creationId xmlns:a16="http://schemas.microsoft.com/office/drawing/2014/main" xmlns="" id="{2249CB2E-3011-48D5-B527-0BDF19624557}"/>
+                <a16:creationId xmlns="" xmlns:a16="http://schemas.microsoft.com/office/drawing/2014/main" id="{2249CB2E-3011-48D5-B527-0BDF19624557}"/>
               </a:ext>
             </a:extLst>
           </p:cNvPr>
@@ -7847,7 +7840,7 @@
           <p:cNvPr id="12" name="TextBox 11">
             <a:extLst>
               <a:ext uri="{FF2B5EF4-FFF2-40B4-BE49-F238E27FC236}">
-                <a16:creationId xmlns:a16="http://schemas.microsoft.com/office/drawing/2014/main" xmlns="" id="{8634BA43-90DE-4853-8598-90F30CAEEB4B}"/>
+                <a16:creationId xmlns="" xmlns:a16="http://schemas.microsoft.com/office/drawing/2014/main" id="{8634BA43-90DE-4853-8598-90F30CAEEB4B}"/>
               </a:ext>
             </a:extLst>
           </p:cNvPr>
@@ -8577,8 +8570,8 @@
         </p:blipFill>
         <p:spPr bwMode="auto">
           <a:xfrm>
-            <a:off x="561538" y="2628465"/>
-            <a:ext cx="4481109" cy="3355476"/>
+            <a:off x="0" y="2628465"/>
+            <a:ext cx="5042647" cy="3727886"/>
           </a:xfrm>
           <a:prstGeom prst="rect">
             <a:avLst/>
@@ -8612,8 +8605,8 @@
         </p:blipFill>
         <p:spPr bwMode="auto">
           <a:xfrm>
-            <a:off x="5042647" y="2628465"/>
-            <a:ext cx="3637492" cy="3355476"/>
+            <a:off x="5042646" y="2628465"/>
+            <a:ext cx="4101353" cy="3727886"/>
           </a:xfrm>
           <a:prstGeom prst="rect">
             <a:avLst/>
@@ -8802,7 +8795,7 @@
         <p:spPr bwMode="auto">
           <a:xfrm>
             <a:off x="4262718" y="2192340"/>
-            <a:ext cx="4339667" cy="3805047"/>
+            <a:ext cx="4881282" cy="4093370"/>
           </a:xfrm>
           <a:prstGeom prst="rect">
             <a:avLst/>
@@ -8836,8 +8829,8 @@
         </p:blipFill>
         <p:spPr bwMode="auto">
           <a:xfrm>
-            <a:off x="685801" y="2192341"/>
-            <a:ext cx="3576918" cy="3805046"/>
+            <a:off x="0" y="2192341"/>
+            <a:ext cx="4262719" cy="4020200"/>
           </a:xfrm>
           <a:prstGeom prst="rect">
             <a:avLst/>
